--- a/INVITADOS BERAKAH 17 NOVIEMBRE.pptx
+++ b/INVITADOS BERAKAH 17 NOVIEMBRE.pptx
@@ -5,30 +5,28 @@
     <p:sldMasterId id="2147483648" r:id="rId1"/>
   </p:sldMasterIdLst>
   <p:notesMasterIdLst>
-    <p:notesMasterId r:id="rId9"/>
+    <p:notesMasterId r:id="rId7"/>
   </p:notesMasterIdLst>
   <p:sldIdLst>
     <p:sldId id="256" r:id="rId2"/>
     <p:sldId id="257" r:id="rId3"/>
     <p:sldId id="261" r:id="rId4"/>
     <p:sldId id="262" r:id="rId5"/>
-    <p:sldId id="263" r:id="rId6"/>
-    <p:sldId id="264" r:id="rId7"/>
-    <p:sldId id="265" r:id="rId8"/>
+    <p:sldId id="265" r:id="rId6"/>
   </p:sldIdLst>
   <p:sldSz cx="12192000" cy="6858000"/>
   <p:notesSz cx="6858000" cy="9144000"/>
   <p:embeddedFontLst>
     <p:embeddedFont>
       <p:font typeface="Arial Black" panose="020B0A04020102020204" pitchFamily="34" charset="0"/>
-      <p:bold r:id="rId10"/>
+      <p:bold r:id="rId8"/>
     </p:embeddedFont>
     <p:embeddedFont>
       <p:font typeface="Quattrocento Sans"/>
-      <p:regular r:id="rId11"/>
-      <p:bold r:id="rId12"/>
-      <p:italic r:id="rId13"/>
-      <p:boldItalic r:id="rId14"/>
+      <p:regular r:id="rId9"/>
+      <p:bold r:id="rId10"/>
+      <p:italic r:id="rId11"/>
+      <p:boldItalic r:id="rId12"/>
     </p:embeddedFont>
   </p:embeddedFontLst>
   <p:defaultTextStyle>
@@ -276,7 +274,7 @@
       </p15:sldGuideLst>
     </p:ext>
     <p:ext uri="http://customooxmlschemas.google.com/">
-      <go:slidesCustomData xmlns="" xmlns:mc="http://schemas.openxmlformats.org/markup-compatibility/2006" xmlns:mv="urn:schemas-microsoft-com:mac:vml" xmlns:c="http://schemas.openxmlformats.org/drawingml/2006/chart" xmlns:dgm="http://schemas.openxmlformats.org/drawingml/2006/diagram" xmlns:o="urn:schemas-microsoft-com:office:office" xmlns:v="urn:schemas-microsoft-com:vml" xmlns:pvml="urn:schemas-microsoft-com:office:powerpoint" xmlns:com="http://schemas.openxmlformats.org/drawingml/2006/compatibility" xmlns:p14="http://schemas.microsoft.com/office/powerpoint/2010/main" xmlns:p15="http://schemas.microsoft.com/office/powerpoint/2012/main" xmlns:ahyp="http://schemas.microsoft.com/office/drawing/2018/hyperlinkcolor" xmlns:go="http://customooxmlschemas.google.com/" r:id="rId24" roundtripDataSignature="AMtx7mhy5q833D06sJfx6hvHyhxUw7Tmow=="/>
+      <go:slidesCustomData xmlns:go="http://customooxmlschemas.google.com/" xmlns:ahyp="http://schemas.microsoft.com/office/drawing/2018/hyperlinkcolor" xmlns:p15="http://schemas.microsoft.com/office/powerpoint/2012/main" xmlns:p14="http://schemas.microsoft.com/office/powerpoint/2010/main" xmlns:com="http://schemas.openxmlformats.org/drawingml/2006/compatibility" xmlns:pvml="urn:schemas-microsoft-com:office:powerpoint" xmlns:v="urn:schemas-microsoft-com:vml" xmlns:o="urn:schemas-microsoft-com:office:office" xmlns:dgm="http://schemas.openxmlformats.org/drawingml/2006/diagram" xmlns:c="http://schemas.openxmlformats.org/drawingml/2006/chart" xmlns:mv="urn:schemas-microsoft-com:mac:vml" xmlns:mc="http://schemas.openxmlformats.org/markup-compatibility/2006" xmlns="" r:id="rId24" roundtripDataSignature="AMtx7mhy5q833D06sJfx6hvHyhxUw7Tmow=="/>
     </p:ext>
   </p:extLst>
 </p:presentation>
@@ -285,9 +283,100 @@
 <file path=ppt/revisionInfo.xml><?xml version="1.0" encoding="utf-8"?>
 <p1510:revInfo xmlns:a="http://schemas.openxmlformats.org/drawingml/2006/main" xmlns:r="http://schemas.openxmlformats.org/officeDocument/2006/relationships" xmlns:p1510="http://schemas.microsoft.com/office/powerpoint/2015/10/main">
   <p1510:revLst>
+    <p1510:client id="{8C6C3FDC-9EC6-4C86-8110-22EC57853B15}" v="5" dt="2024-11-18T16:52:54.559"/>
     <p1510:client id="{BB917ADF-FAA1-49B2-9EB3-CF65354E8F11}" v="7" dt="2024-11-18T15:24:22.083"/>
   </p1510:revLst>
 </p1510:revInfo>
+</file>
+
+<file path=ppt/changesInfos/changesInfo1.xml><?xml version="1.0" encoding="utf-8"?>
+<pc:chgInfo xmlns:a="http://schemas.openxmlformats.org/drawingml/2006/main" xmlns:r="http://schemas.openxmlformats.org/officeDocument/2006/relationships" xmlns:ac="http://schemas.microsoft.com/office/drawing/2013/main/command" xmlns:pc="http://schemas.microsoft.com/office/powerpoint/2013/main/command">
+  <pc:docChgLst>
+    <pc:chgData name="Juan Carlos Vega Rueda" userId="48e0dc5d-06e6-4cc1-8880-4d59f0a8788b" providerId="ADAL" clId="{8C6C3FDC-9EC6-4C86-8110-22EC57853B15}"/>
+    <pc:docChg chg="undo custSel delSld modSld">
+      <pc:chgData name="Juan Carlos Vega Rueda" userId="48e0dc5d-06e6-4cc1-8880-4d59f0a8788b" providerId="ADAL" clId="{8C6C3FDC-9EC6-4C86-8110-22EC57853B15}" dt="2024-11-18T16:53:06.048" v="153" actId="1076"/>
+      <pc:docMkLst>
+        <pc:docMk/>
+      </pc:docMkLst>
+      <pc:sldChg chg="delSp modSp mod">
+        <pc:chgData name="Juan Carlos Vega Rueda" userId="48e0dc5d-06e6-4cc1-8880-4d59f0a8788b" providerId="ADAL" clId="{8C6C3FDC-9EC6-4C86-8110-22EC57853B15}" dt="2024-11-18T16:53:06.048" v="153" actId="1076"/>
+        <pc:sldMkLst>
+          <pc:docMk/>
+          <pc:sldMk cId="0" sldId="257"/>
+        </pc:sldMkLst>
+        <pc:graphicFrameChg chg="mod">
+          <ac:chgData name="Juan Carlos Vega Rueda" userId="48e0dc5d-06e6-4cc1-8880-4d59f0a8788b" providerId="ADAL" clId="{8C6C3FDC-9EC6-4C86-8110-22EC57853B15}" dt="2024-11-18T16:52:59.872" v="151" actId="1076"/>
+          <ac:graphicFrameMkLst>
+            <pc:docMk/>
+            <pc:sldMk cId="0" sldId="257"/>
+            <ac:graphicFrameMk id="3" creationId="{8F2D1D83-7367-7A09-44A6-3545EC787DC0}"/>
+          </ac:graphicFrameMkLst>
+        </pc:graphicFrameChg>
+        <pc:graphicFrameChg chg="mod">
+          <ac:chgData name="Juan Carlos Vega Rueda" userId="48e0dc5d-06e6-4cc1-8880-4d59f0a8788b" providerId="ADAL" clId="{8C6C3FDC-9EC6-4C86-8110-22EC57853B15}" dt="2024-11-18T16:53:06.048" v="153" actId="1076"/>
+          <ac:graphicFrameMkLst>
+            <pc:docMk/>
+            <pc:sldMk cId="0" sldId="257"/>
+            <ac:graphicFrameMk id="6" creationId="{F4E099C9-B75A-B573-FE2B-123BC78FC7C4}"/>
+          </ac:graphicFrameMkLst>
+        </pc:graphicFrameChg>
+        <pc:graphicFrameChg chg="del">
+          <ac:chgData name="Juan Carlos Vega Rueda" userId="48e0dc5d-06e6-4cc1-8880-4d59f0a8788b" providerId="ADAL" clId="{8C6C3FDC-9EC6-4C86-8110-22EC57853B15}" dt="2024-11-18T16:52:06.878" v="140" actId="478"/>
+          <ac:graphicFrameMkLst>
+            <pc:docMk/>
+            <pc:sldMk cId="0" sldId="257"/>
+            <ac:graphicFrameMk id="8" creationId="{3D3116D2-031E-E802-DAE1-34C1DF88E2E1}"/>
+          </ac:graphicFrameMkLst>
+        </pc:graphicFrameChg>
+        <pc:graphicFrameChg chg="del">
+          <ac:chgData name="Juan Carlos Vega Rueda" userId="48e0dc5d-06e6-4cc1-8880-4d59f0a8788b" providerId="ADAL" clId="{8C6C3FDC-9EC6-4C86-8110-22EC57853B15}" dt="2024-11-18T16:52:07.756" v="141" actId="478"/>
+          <ac:graphicFrameMkLst>
+            <pc:docMk/>
+            <pc:sldMk cId="0" sldId="257"/>
+            <ac:graphicFrameMk id="10" creationId="{53D3D111-3BCE-892B-4BF7-B8CC430619F5}"/>
+          </ac:graphicFrameMkLst>
+        </pc:graphicFrameChg>
+      </pc:sldChg>
+      <pc:sldChg chg="addSp modSp mod">
+        <pc:chgData name="Juan Carlos Vega Rueda" userId="48e0dc5d-06e6-4cc1-8880-4d59f0a8788b" providerId="ADAL" clId="{8C6C3FDC-9EC6-4C86-8110-22EC57853B15}" dt="2024-11-18T16:51:50.654" v="137" actId="20577"/>
+        <pc:sldMkLst>
+          <pc:docMk/>
+          <pc:sldMk cId="3969853704" sldId="262"/>
+        </pc:sldMkLst>
+        <pc:spChg chg="mod">
+          <ac:chgData name="Juan Carlos Vega Rueda" userId="48e0dc5d-06e6-4cc1-8880-4d59f0a8788b" providerId="ADAL" clId="{8C6C3FDC-9EC6-4C86-8110-22EC57853B15}" dt="2024-11-18T16:51:50.654" v="137" actId="20577"/>
+          <ac:spMkLst>
+            <pc:docMk/>
+            <pc:sldMk cId="3969853704" sldId="262"/>
+            <ac:spMk id="3" creationId="{6800AFA0-40B2-FB8B-F30A-84111648D2D1}"/>
+          </ac:spMkLst>
+        </pc:spChg>
+        <pc:picChg chg="add mod modCrop">
+          <ac:chgData name="Juan Carlos Vega Rueda" userId="48e0dc5d-06e6-4cc1-8880-4d59f0a8788b" providerId="ADAL" clId="{8C6C3FDC-9EC6-4C86-8110-22EC57853B15}" dt="2024-11-18T16:49:49.804" v="12" actId="1076"/>
+          <ac:picMkLst>
+            <pc:docMk/>
+            <pc:sldMk cId="3969853704" sldId="262"/>
+            <ac:picMk id="7" creationId="{AF29DE39-594A-5605-C0F0-05844AAA2B33}"/>
+          </ac:picMkLst>
+        </pc:picChg>
+      </pc:sldChg>
+      <pc:sldChg chg="del">
+        <pc:chgData name="Juan Carlos Vega Rueda" userId="48e0dc5d-06e6-4cc1-8880-4d59f0a8788b" providerId="ADAL" clId="{8C6C3FDC-9EC6-4C86-8110-22EC57853B15}" dt="2024-11-18T16:52:03.056" v="138" actId="47"/>
+        <pc:sldMkLst>
+          <pc:docMk/>
+          <pc:sldMk cId="1309281878" sldId="263"/>
+        </pc:sldMkLst>
+      </pc:sldChg>
+      <pc:sldChg chg="del">
+        <pc:chgData name="Juan Carlos Vega Rueda" userId="48e0dc5d-06e6-4cc1-8880-4d59f0a8788b" providerId="ADAL" clId="{8C6C3FDC-9EC6-4C86-8110-22EC57853B15}" dt="2024-11-18T16:52:04.277" v="139" actId="47"/>
+        <pc:sldMkLst>
+          <pc:docMk/>
+          <pc:sldMk cId="32890799" sldId="264"/>
+        </pc:sldMkLst>
+      </pc:sldChg>
+    </pc:docChg>
+  </pc:docChgLst>
+</pc:chgInfo>
 </file>
 
 <file path=ppt/notesMasters/notesMaster1.xml><?xml version="1.0" encoding="utf-8"?>
@@ -2429,7 +2518,7 @@
         <p:fade/>
       </p:transition>
     </mc:Choice>
-    <mc:Fallback xmlns="" xmlns:mv="urn:schemas-microsoft-com:mac:vml" xmlns:c="http://schemas.openxmlformats.org/drawingml/2006/chart" xmlns:dgm="http://schemas.openxmlformats.org/drawingml/2006/diagram" xmlns:o="urn:schemas-microsoft-com:office:office" xmlns:v="urn:schemas-microsoft-com:vml" xmlns:pvml="urn:schemas-microsoft-com:office:powerpoint" xmlns:com="http://schemas.openxmlformats.org/drawingml/2006/compatibility" xmlns:p15="http://schemas.microsoft.com/office/powerpoint/2012/main" xmlns:ahyp="http://schemas.microsoft.com/office/drawing/2018/hyperlinkcolor">
+    <mc:Fallback xmlns:ahyp="http://schemas.microsoft.com/office/drawing/2018/hyperlinkcolor" xmlns:p15="http://schemas.microsoft.com/office/powerpoint/2012/main" xmlns:com="http://schemas.openxmlformats.org/drawingml/2006/compatibility" xmlns:pvml="urn:schemas-microsoft-com:office:powerpoint" xmlns:v="urn:schemas-microsoft-com:vml" xmlns:o="urn:schemas-microsoft-com:office:office" xmlns:dgm="http://schemas.openxmlformats.org/drawingml/2006/diagram" xmlns:c="http://schemas.openxmlformats.org/drawingml/2006/chart" xmlns:mv="urn:schemas-microsoft-com:mac:vml" xmlns="">
       <p:transition spd="slow">
         <p:fade/>
       </p:transition>
@@ -3431,7 +3520,7 @@
         <p:fade/>
       </p:transition>
     </mc:Choice>
-    <mc:Fallback xmlns="" xmlns:mv="urn:schemas-microsoft-com:mac:vml" xmlns:c="http://schemas.openxmlformats.org/drawingml/2006/chart" xmlns:dgm="http://schemas.openxmlformats.org/drawingml/2006/diagram" xmlns:o="urn:schemas-microsoft-com:office:office" xmlns:v="urn:schemas-microsoft-com:vml" xmlns:pvml="urn:schemas-microsoft-com:office:powerpoint" xmlns:com="http://schemas.openxmlformats.org/drawingml/2006/compatibility" xmlns:p15="http://schemas.microsoft.com/office/powerpoint/2012/main" xmlns:ahyp="http://schemas.microsoft.com/office/drawing/2018/hyperlinkcolor">
+    <mc:Fallback xmlns:ahyp="http://schemas.microsoft.com/office/drawing/2018/hyperlinkcolor" xmlns:p15="http://schemas.microsoft.com/office/powerpoint/2012/main" xmlns:com="http://schemas.openxmlformats.org/drawingml/2006/compatibility" xmlns:pvml="urn:schemas-microsoft-com:office:powerpoint" xmlns:v="urn:schemas-microsoft-com:vml" xmlns:o="urn:schemas-microsoft-com:office:office" xmlns:dgm="http://schemas.openxmlformats.org/drawingml/2006/diagram" xmlns:c="http://schemas.openxmlformats.org/drawingml/2006/chart" xmlns:mv="urn:schemas-microsoft-com:mac:vml" xmlns="">
       <p:transition spd="slow">
         <p:fade/>
       </p:transition>
@@ -20811,7 +20900,7 @@
         <p:fade/>
       </p:transition>
     </mc:Choice>
-    <mc:Fallback xmlns="" xmlns:mv="urn:schemas-microsoft-com:mac:vml" xmlns:c="http://schemas.openxmlformats.org/drawingml/2006/chart" xmlns:dgm="http://schemas.openxmlformats.org/drawingml/2006/diagram" xmlns:o="urn:schemas-microsoft-com:office:office" xmlns:v="urn:schemas-microsoft-com:vml" xmlns:pvml="urn:schemas-microsoft-com:office:powerpoint" xmlns:com="http://schemas.openxmlformats.org/drawingml/2006/compatibility" xmlns:p15="http://schemas.microsoft.com/office/powerpoint/2012/main" xmlns:ahyp="http://schemas.microsoft.com/office/drawing/2018/hyperlinkcolor">
+    <mc:Fallback xmlns:ahyp="http://schemas.microsoft.com/office/drawing/2018/hyperlinkcolor" xmlns:p15="http://schemas.microsoft.com/office/powerpoint/2012/main" xmlns:com="http://schemas.openxmlformats.org/drawingml/2006/compatibility" xmlns:pvml="urn:schemas-microsoft-com:office:powerpoint" xmlns:v="urn:schemas-microsoft-com:vml" xmlns:o="urn:schemas-microsoft-com:office:office" xmlns:dgm="http://schemas.openxmlformats.org/drawingml/2006/diagram" xmlns:c="http://schemas.openxmlformats.org/drawingml/2006/chart" xmlns:mv="urn:schemas-microsoft-com:mac:vml" xmlns="">
       <p:transition spd="slow">
         <p:fade/>
       </p:transition>
@@ -21799,7 +21888,7 @@
         <p:fade/>
       </p:transition>
     </mc:Choice>
-    <mc:Fallback xmlns="" xmlns:mv="urn:schemas-microsoft-com:mac:vml" xmlns:c="http://schemas.openxmlformats.org/drawingml/2006/chart" xmlns:dgm="http://schemas.openxmlformats.org/drawingml/2006/diagram" xmlns:o="urn:schemas-microsoft-com:office:office" xmlns:v="urn:schemas-microsoft-com:vml" xmlns:pvml="urn:schemas-microsoft-com:office:powerpoint" xmlns:com="http://schemas.openxmlformats.org/drawingml/2006/compatibility" xmlns:p15="http://schemas.microsoft.com/office/powerpoint/2012/main" xmlns:ahyp="http://schemas.microsoft.com/office/drawing/2018/hyperlinkcolor">
+    <mc:Fallback xmlns:ahyp="http://schemas.microsoft.com/office/drawing/2018/hyperlinkcolor" xmlns:p15="http://schemas.microsoft.com/office/powerpoint/2012/main" xmlns:com="http://schemas.openxmlformats.org/drawingml/2006/compatibility" xmlns:pvml="urn:schemas-microsoft-com:office:powerpoint" xmlns:v="urn:schemas-microsoft-com:vml" xmlns:o="urn:schemas-microsoft-com:office:office" xmlns:dgm="http://schemas.openxmlformats.org/drawingml/2006/diagram" xmlns:c="http://schemas.openxmlformats.org/drawingml/2006/chart" xmlns:mv="urn:schemas-microsoft-com:mac:vml" xmlns="">
       <p:transition spd="slow">
         <p:fade/>
       </p:transition>
@@ -22236,7 +22325,7 @@
         <p:fade/>
       </p:transition>
     </mc:Choice>
-    <mc:Fallback xmlns="" xmlns:mv="urn:schemas-microsoft-com:mac:vml" xmlns:c="http://schemas.openxmlformats.org/drawingml/2006/chart" xmlns:dgm="http://schemas.openxmlformats.org/drawingml/2006/diagram" xmlns:o="urn:schemas-microsoft-com:office:office" xmlns:v="urn:schemas-microsoft-com:vml" xmlns:pvml="urn:schemas-microsoft-com:office:powerpoint" xmlns:com="http://schemas.openxmlformats.org/drawingml/2006/compatibility" xmlns:p15="http://schemas.microsoft.com/office/powerpoint/2012/main" xmlns:ahyp="http://schemas.microsoft.com/office/drawing/2018/hyperlinkcolor">
+    <mc:Fallback xmlns:ahyp="http://schemas.microsoft.com/office/drawing/2018/hyperlinkcolor" xmlns:p15="http://schemas.microsoft.com/office/powerpoint/2012/main" xmlns:com="http://schemas.openxmlformats.org/drawingml/2006/compatibility" xmlns:pvml="urn:schemas-microsoft-com:office:powerpoint" xmlns:v="urn:schemas-microsoft-com:vml" xmlns:o="urn:schemas-microsoft-com:office:office" xmlns:dgm="http://schemas.openxmlformats.org/drawingml/2006/diagram" xmlns:c="http://schemas.openxmlformats.org/drawingml/2006/chart" xmlns:mv="urn:schemas-microsoft-com:mac:vml" xmlns="">
       <p:transition spd="slow">
         <p:fade/>
       </p:transition>
@@ -23412,7 +23501,7 @@
         <p:fade/>
       </p:transition>
     </mc:Choice>
-    <mc:Fallback xmlns="" xmlns:mv="urn:schemas-microsoft-com:mac:vml" xmlns:c="http://schemas.openxmlformats.org/drawingml/2006/chart" xmlns:dgm="http://schemas.openxmlformats.org/drawingml/2006/diagram" xmlns:o="urn:schemas-microsoft-com:office:office" xmlns:v="urn:schemas-microsoft-com:vml" xmlns:pvml="urn:schemas-microsoft-com:office:powerpoint" xmlns:com="http://schemas.openxmlformats.org/drawingml/2006/compatibility" xmlns:p15="http://schemas.microsoft.com/office/powerpoint/2012/main" xmlns:ahyp="http://schemas.microsoft.com/office/drawing/2018/hyperlinkcolor">
+    <mc:Fallback xmlns:ahyp="http://schemas.microsoft.com/office/drawing/2018/hyperlinkcolor" xmlns:p15="http://schemas.microsoft.com/office/powerpoint/2012/main" xmlns:com="http://schemas.openxmlformats.org/drawingml/2006/compatibility" xmlns:pvml="urn:schemas-microsoft-com:office:powerpoint" xmlns:v="urn:schemas-microsoft-com:vml" xmlns:o="urn:schemas-microsoft-com:office:office" xmlns:dgm="http://schemas.openxmlformats.org/drawingml/2006/diagram" xmlns:c="http://schemas.openxmlformats.org/drawingml/2006/chart" xmlns:mv="urn:schemas-microsoft-com:mac:vml" xmlns="">
       <p:transition spd="slow">
         <p:fade/>
       </p:transition>
@@ -24214,7 +24303,7 @@
         <p:fade/>
       </p:transition>
     </mc:Choice>
-    <mc:Fallback xmlns="" xmlns:mv="urn:schemas-microsoft-com:mac:vml" xmlns:c="http://schemas.openxmlformats.org/drawingml/2006/chart" xmlns:dgm="http://schemas.openxmlformats.org/drawingml/2006/diagram" xmlns:o="urn:schemas-microsoft-com:office:office" xmlns:v="urn:schemas-microsoft-com:vml" xmlns:pvml="urn:schemas-microsoft-com:office:powerpoint" xmlns:com="http://schemas.openxmlformats.org/drawingml/2006/compatibility" xmlns:p15="http://schemas.microsoft.com/office/powerpoint/2012/main" xmlns:ahyp="http://schemas.microsoft.com/office/drawing/2018/hyperlinkcolor">
+    <mc:Fallback xmlns:ahyp="http://schemas.microsoft.com/office/drawing/2018/hyperlinkcolor" xmlns:p15="http://schemas.microsoft.com/office/powerpoint/2012/main" xmlns:com="http://schemas.openxmlformats.org/drawingml/2006/compatibility" xmlns:pvml="urn:schemas-microsoft-com:office:powerpoint" xmlns:v="urn:schemas-microsoft-com:vml" xmlns:o="urn:schemas-microsoft-com:office:office" xmlns:dgm="http://schemas.openxmlformats.org/drawingml/2006/diagram" xmlns:c="http://schemas.openxmlformats.org/drawingml/2006/chart" xmlns:mv="urn:schemas-microsoft-com:mac:vml" xmlns="">
       <p:transition spd="slow">
         <p:fade/>
       </p:transition>
@@ -40968,7 +41057,7 @@
         <p:fade/>
       </p:transition>
     </mc:Choice>
-    <mc:Fallback xmlns="" xmlns:mv="urn:schemas-microsoft-com:mac:vml" xmlns:c="http://schemas.openxmlformats.org/drawingml/2006/chart" xmlns:dgm="http://schemas.openxmlformats.org/drawingml/2006/diagram" xmlns:o="urn:schemas-microsoft-com:office:office" xmlns:v="urn:schemas-microsoft-com:vml" xmlns:pvml="urn:schemas-microsoft-com:office:powerpoint" xmlns:com="http://schemas.openxmlformats.org/drawingml/2006/compatibility" xmlns:p15="http://schemas.microsoft.com/office/powerpoint/2012/main" xmlns:ahyp="http://schemas.microsoft.com/office/drawing/2018/hyperlinkcolor">
+    <mc:Fallback xmlns:ahyp="http://schemas.microsoft.com/office/drawing/2018/hyperlinkcolor" xmlns:p15="http://schemas.microsoft.com/office/powerpoint/2012/main" xmlns:com="http://schemas.openxmlformats.org/drawingml/2006/compatibility" xmlns:pvml="urn:schemas-microsoft-com:office:powerpoint" xmlns:v="urn:schemas-microsoft-com:vml" xmlns:o="urn:schemas-microsoft-com:office:office" xmlns:dgm="http://schemas.openxmlformats.org/drawingml/2006/diagram" xmlns:c="http://schemas.openxmlformats.org/drawingml/2006/chart" xmlns:mv="urn:schemas-microsoft-com:mac:vml" xmlns="">
       <p:transition spd="slow">
         <p:fade/>
       </p:transition>
@@ -42144,7 +42233,7 @@
         <p:fade/>
       </p:transition>
     </mc:Choice>
-    <mc:Fallback xmlns="" xmlns:mv="urn:schemas-microsoft-com:mac:vml" xmlns:c="http://schemas.openxmlformats.org/drawingml/2006/chart" xmlns:dgm="http://schemas.openxmlformats.org/drawingml/2006/diagram" xmlns:o="urn:schemas-microsoft-com:office:office" xmlns:v="urn:schemas-microsoft-com:vml" xmlns:pvml="urn:schemas-microsoft-com:office:powerpoint" xmlns:com="http://schemas.openxmlformats.org/drawingml/2006/compatibility" xmlns:p15="http://schemas.microsoft.com/office/powerpoint/2012/main" xmlns:ahyp="http://schemas.microsoft.com/office/drawing/2018/hyperlinkcolor">
+    <mc:Fallback xmlns:ahyp="http://schemas.microsoft.com/office/drawing/2018/hyperlinkcolor" xmlns:p15="http://schemas.microsoft.com/office/powerpoint/2012/main" xmlns:com="http://schemas.openxmlformats.org/drawingml/2006/compatibility" xmlns:pvml="urn:schemas-microsoft-com:office:powerpoint" xmlns:v="urn:schemas-microsoft-com:vml" xmlns:o="urn:schemas-microsoft-com:office:office" xmlns:dgm="http://schemas.openxmlformats.org/drawingml/2006/diagram" xmlns:c="http://schemas.openxmlformats.org/drawingml/2006/chart" xmlns:mv="urn:schemas-microsoft-com:mac:vml" xmlns="">
       <p:transition spd="slow">
         <p:fade/>
       </p:transition>
@@ -43132,7 +43221,7 @@
         <p:fade/>
       </p:transition>
     </mc:Choice>
-    <mc:Fallback xmlns="" xmlns:mv="urn:schemas-microsoft-com:mac:vml" xmlns:c="http://schemas.openxmlformats.org/drawingml/2006/chart" xmlns:dgm="http://schemas.openxmlformats.org/drawingml/2006/diagram" xmlns:o="urn:schemas-microsoft-com:office:office" xmlns:v="urn:schemas-microsoft-com:vml" xmlns:pvml="urn:schemas-microsoft-com:office:powerpoint" xmlns:com="http://schemas.openxmlformats.org/drawingml/2006/compatibility" xmlns:p15="http://schemas.microsoft.com/office/powerpoint/2012/main" xmlns:ahyp="http://schemas.microsoft.com/office/drawing/2018/hyperlinkcolor">
+    <mc:Fallback xmlns:ahyp="http://schemas.microsoft.com/office/drawing/2018/hyperlinkcolor" xmlns:p15="http://schemas.microsoft.com/office/powerpoint/2012/main" xmlns:com="http://schemas.openxmlformats.org/drawingml/2006/compatibility" xmlns:pvml="urn:schemas-microsoft-com:office:powerpoint" xmlns:v="urn:schemas-microsoft-com:vml" xmlns:o="urn:schemas-microsoft-com:office:office" xmlns:dgm="http://schemas.openxmlformats.org/drawingml/2006/diagram" xmlns:c="http://schemas.openxmlformats.org/drawingml/2006/chart" xmlns:mv="urn:schemas-microsoft-com:mac:vml" xmlns="">
       <p:transition spd="slow">
         <p:fade/>
       </p:transition>
@@ -44557,7 +44646,7 @@
         <p:fade/>
       </p:transition>
     </mc:Choice>
-    <mc:Fallback xmlns="" xmlns:mv="urn:schemas-microsoft-com:mac:vml" xmlns:c="http://schemas.openxmlformats.org/drawingml/2006/chart" xmlns:dgm="http://schemas.openxmlformats.org/drawingml/2006/diagram" xmlns:o="urn:schemas-microsoft-com:office:office" xmlns:v="urn:schemas-microsoft-com:vml" xmlns:pvml="urn:schemas-microsoft-com:office:powerpoint" xmlns:com="http://schemas.openxmlformats.org/drawingml/2006/compatibility" xmlns:p15="http://schemas.microsoft.com/office/powerpoint/2012/main" xmlns:ahyp="http://schemas.microsoft.com/office/drawing/2018/hyperlinkcolor">
+    <mc:Fallback xmlns:ahyp="http://schemas.microsoft.com/office/drawing/2018/hyperlinkcolor" xmlns:p15="http://schemas.microsoft.com/office/powerpoint/2012/main" xmlns:com="http://schemas.openxmlformats.org/drawingml/2006/compatibility" xmlns:pvml="urn:schemas-microsoft-com:office:powerpoint" xmlns:v="urn:schemas-microsoft-com:vml" xmlns:o="urn:schemas-microsoft-com:office:office" xmlns:dgm="http://schemas.openxmlformats.org/drawingml/2006/diagram" xmlns:c="http://schemas.openxmlformats.org/drawingml/2006/chart" xmlns:mv="urn:schemas-microsoft-com:mac:vml" xmlns="">
       <p:transition spd="slow">
         <p:fade/>
       </p:transition>
@@ -45640,19 +45729,19 @@
                 </a:extLst>
               </p:cNvPr>
               <p:cNvGraphicFramePr>
-                <a:graphicFrameLocks/>
+                <a:graphicFrameLocks noChangeAspect="1"/>
               </p:cNvGraphicFramePr>
               <p:nvPr>
                 <p:extLst>
                   <p:ext uri="{D42A27DB-BD31-4B8C-83A1-F6EECF244321}">
-                    <p14:modId xmlns:p14="http://schemas.microsoft.com/office/powerpoint/2010/main" val="4186069315"/>
+                    <p14:modId xmlns:p14="http://schemas.microsoft.com/office/powerpoint/2010/main" val="4202261583"/>
                   </p:ext>
                 </p:extLst>
               </p:nvPr>
             </p:nvGraphicFramePr>
             <p:xfrm>
-              <a:off x="1540565" y="2730776"/>
-              <a:ext cx="2160000" cy="1440000"/>
+              <a:off x="2176181" y="2709000"/>
+              <a:ext cx="3600000" cy="2400000"/>
             </p:xfrm>
             <a:graphic>
               <a:graphicData uri="http://schemas.microsoft.com/office/powerpoint/2016/slidezoom">
@@ -45668,7 +45757,7 @@
                       <p166:spPr xmlns:p166="http://schemas.microsoft.com/office/powerpoint/2016/6/main">
                         <a:xfrm>
                           <a:off x="0" y="0"/>
-                          <a:ext cx="2160000" cy="1440000"/>
+                          <a:ext cx="3600000" cy="2400000"/>
                         </a:xfrm>
                         <a:prstGeom prst="rect">
                           <a:avLst/>
@@ -45685,7 +45774,6 @@
           <p:pic>
             <p:nvPicPr>
               <p:cNvPr id="3" name="Vista general de diapositiva 2">
-                <a:hlinkClick r:id="rId5" action="ppaction://hlinksldjump"/>
                 <a:extLst>
                   <a:ext uri="{FF2B5EF4-FFF2-40B4-BE49-F238E27FC236}">
                     <a16:creationId xmlns:a16="http://schemas.microsoft.com/office/drawing/2014/main" id="{8F2D1D83-7367-7A09-44A6-3545EC787DC0}"/>
@@ -45705,8 +45793,8 @@
             </p:blipFill>
             <p:spPr>
               <a:xfrm>
-                <a:off x="1540565" y="2730776"/>
-                <a:ext cx="2160000" cy="1440000"/>
+                <a:off x="2176181" y="2709000"/>
+                <a:ext cx="3600000" cy="2400000"/>
               </a:xfrm>
               <a:prstGeom prst="rect">
                 <a:avLst/>
@@ -45727,19 +45815,19 @@
                 </a:extLst>
               </p:cNvPr>
               <p:cNvGraphicFramePr>
-                <a:graphicFrameLocks/>
+                <a:graphicFrameLocks noChangeAspect="1"/>
               </p:cNvGraphicFramePr>
               <p:nvPr>
                 <p:extLst>
                   <p:ext uri="{D42A27DB-BD31-4B8C-83A1-F6EECF244321}">
-                    <p14:modId xmlns:p14="http://schemas.microsoft.com/office/powerpoint/2010/main" val="3287784403"/>
+                    <p14:modId xmlns:p14="http://schemas.microsoft.com/office/powerpoint/2010/main" val="369051132"/>
                   </p:ext>
                 </p:extLst>
               </p:nvPr>
             </p:nvGraphicFramePr>
             <p:xfrm>
-              <a:off x="3909391" y="2709000"/>
-              <a:ext cx="2160000" cy="1440000"/>
+              <a:off x="7259231" y="2709000"/>
+              <a:ext cx="3600000" cy="2400000"/>
             </p:xfrm>
             <a:graphic>
               <a:graphicData uri="http://schemas.microsoft.com/office/powerpoint/2016/slidezoom">
@@ -45747,7 +45835,7 @@
                   <pslz:sldZmObj sldId="262" cId="3969853704">
                     <pslz:zmPr id="{E09FF301-FAB3-4250-ABD0-95B762400DB0}" transitionDur="750">
                       <p166:blipFill xmlns:p166="http://schemas.microsoft.com/office/powerpoint/2016/6/main">
-                        <a:blip r:embed="rId6"/>
+                        <a:blip r:embed="rId5"/>
                         <a:stretch>
                           <a:fillRect/>
                         </a:stretch>
@@ -45755,7 +45843,7 @@
                       <p166:spPr xmlns:p166="http://schemas.microsoft.com/office/powerpoint/2016/6/main">
                         <a:xfrm>
                           <a:off x="0" y="0"/>
-                          <a:ext cx="2160000" cy="1440000"/>
+                          <a:ext cx="3600000" cy="2400000"/>
                         </a:xfrm>
                         <a:prstGeom prst="rect">
                           <a:avLst/>
@@ -45772,7 +45860,6 @@
           <p:pic>
             <p:nvPicPr>
               <p:cNvPr id="6" name="Vista general de diapositiva 5">
-                <a:hlinkClick r:id="rId7" action="ppaction://hlinksldjump"/>
                 <a:extLst>
                   <a:ext uri="{FF2B5EF4-FFF2-40B4-BE49-F238E27FC236}">
                     <a16:creationId xmlns:a16="http://schemas.microsoft.com/office/drawing/2014/main" id="{F4E099C9-B75A-B573-FE2B-123BC78FC7C4}"/>
@@ -45785,189 +45872,15 @@
               <p:nvPr/>
             </p:nvPicPr>
             <p:blipFill>
-              <a:blip r:embed="rId6"/>
+              <a:blip r:embed="rId5"/>
               <a:stretch>
                 <a:fillRect/>
               </a:stretch>
             </p:blipFill>
             <p:spPr>
               <a:xfrm>
-                <a:off x="3909391" y="2709000"/>
-                <a:ext cx="2160000" cy="1440000"/>
-              </a:xfrm>
-              <a:prstGeom prst="rect">
-                <a:avLst/>
-              </a:prstGeom>
-            </p:spPr>
-          </p:pic>
-        </mc:Fallback>
-      </mc:AlternateContent>
-      <mc:AlternateContent xmlns:mc="http://schemas.openxmlformats.org/markup-compatibility/2006">
-        <mc:Choice xmlns:pslz="http://schemas.microsoft.com/office/powerpoint/2016/slidezoom" Requires="pslz">
-          <p:graphicFrame>
-            <p:nvGraphicFramePr>
-              <p:cNvPr id="8" name="Vista general de diapositiva 7">
-                <a:extLst>
-                  <a:ext uri="{FF2B5EF4-FFF2-40B4-BE49-F238E27FC236}">
-                    <a16:creationId xmlns:a16="http://schemas.microsoft.com/office/drawing/2014/main" id="{3D3116D2-031E-E802-DAE1-34C1DF88E2E1}"/>
-                  </a:ext>
-                </a:extLst>
-              </p:cNvPr>
-              <p:cNvGraphicFramePr>
-                <a:graphicFrameLocks/>
-              </p:cNvGraphicFramePr>
-              <p:nvPr>
-                <p:extLst>
-                  <p:ext uri="{D42A27DB-BD31-4B8C-83A1-F6EECF244321}">
-                    <p14:modId xmlns:p14="http://schemas.microsoft.com/office/powerpoint/2010/main" val="1998781451"/>
-                  </p:ext>
-                </p:extLst>
-              </p:nvPr>
-            </p:nvGraphicFramePr>
-            <p:xfrm>
-              <a:off x="6299641" y="2709000"/>
-              <a:ext cx="2160000" cy="1440000"/>
-            </p:xfrm>
-            <a:graphic>
-              <a:graphicData uri="http://schemas.microsoft.com/office/powerpoint/2016/slidezoom">
-                <pslz:sldZm>
-                  <pslz:sldZmObj sldId="263" cId="1309281878">
-                    <pslz:zmPr id="{516D8B91-52CB-41A8-B237-01998BB2F830}" transitionDur="750">
-                      <p166:blipFill xmlns:p166="http://schemas.microsoft.com/office/powerpoint/2016/6/main">
-                        <a:blip r:embed="rId6"/>
-                        <a:stretch>
-                          <a:fillRect/>
-                        </a:stretch>
-                      </p166:blipFill>
-                      <p166:spPr xmlns:p166="http://schemas.microsoft.com/office/powerpoint/2016/6/main">
-                        <a:xfrm>
-                          <a:off x="0" y="0"/>
-                          <a:ext cx="2160000" cy="1440000"/>
-                        </a:xfrm>
-                        <a:prstGeom prst="rect">
-                          <a:avLst/>
-                        </a:prstGeom>
-                      </p166:spPr>
-                    </pslz:zmPr>
-                  </pslz:sldZmObj>
-                </pslz:sldZm>
-              </a:graphicData>
-            </a:graphic>
-          </p:graphicFrame>
-        </mc:Choice>
-        <mc:Fallback>
-          <p:pic>
-            <p:nvPicPr>
-              <p:cNvPr id="8" name="Vista general de diapositiva 7">
-                <a:hlinkClick r:id="rId8" action="ppaction://hlinksldjump"/>
-                <a:extLst>
-                  <a:ext uri="{FF2B5EF4-FFF2-40B4-BE49-F238E27FC236}">
-                    <a16:creationId xmlns:a16="http://schemas.microsoft.com/office/drawing/2014/main" id="{3D3116D2-031E-E802-DAE1-34C1DF88E2E1}"/>
-                  </a:ext>
-                </a:extLst>
-              </p:cNvPr>
-              <p:cNvPicPr>
-                <a:picLocks noGrp="1" noRot="1" noChangeAspect="1" noMove="1" noResize="1" noEditPoints="1" noAdjustHandles="1" noChangeArrowheads="1" noChangeShapeType="1"/>
-              </p:cNvPicPr>
-              <p:nvPr/>
-            </p:nvPicPr>
-            <p:blipFill>
-              <a:blip r:embed="rId6"/>
-              <a:stretch>
-                <a:fillRect/>
-              </a:stretch>
-            </p:blipFill>
-            <p:spPr>
-              <a:xfrm>
-                <a:off x="6299641" y="2709000"/>
-                <a:ext cx="2160000" cy="1440000"/>
-              </a:xfrm>
-              <a:prstGeom prst="rect">
-                <a:avLst/>
-              </a:prstGeom>
-            </p:spPr>
-          </p:pic>
-        </mc:Fallback>
-      </mc:AlternateContent>
-      <mc:AlternateContent xmlns:mc="http://schemas.openxmlformats.org/markup-compatibility/2006">
-        <mc:Choice xmlns:pslz="http://schemas.microsoft.com/office/powerpoint/2016/slidezoom" Requires="pslz">
-          <p:graphicFrame>
-            <p:nvGraphicFramePr>
-              <p:cNvPr id="10" name="Vista general de diapositiva 9">
-                <a:extLst>
-                  <a:ext uri="{FF2B5EF4-FFF2-40B4-BE49-F238E27FC236}">
-                    <a16:creationId xmlns:a16="http://schemas.microsoft.com/office/drawing/2014/main" id="{53D3D111-3BCE-892B-4BF7-B8CC430619F5}"/>
-                  </a:ext>
-                </a:extLst>
-              </p:cNvPr>
-              <p:cNvGraphicFramePr>
-                <a:graphicFrameLocks/>
-              </p:cNvGraphicFramePr>
-              <p:nvPr>
-                <p:extLst>
-                  <p:ext uri="{D42A27DB-BD31-4B8C-83A1-F6EECF244321}">
-                    <p14:modId xmlns:p14="http://schemas.microsoft.com/office/powerpoint/2010/main" val="1880553966"/>
-                  </p:ext>
-                </p:extLst>
-              </p:nvPr>
-            </p:nvGraphicFramePr>
-            <p:xfrm>
-              <a:off x="8689891" y="2709000"/>
-              <a:ext cx="2160000" cy="1440000"/>
-            </p:xfrm>
-            <a:graphic>
-              <a:graphicData uri="http://schemas.microsoft.com/office/powerpoint/2016/slidezoom">
-                <pslz:sldZm>
-                  <pslz:sldZmObj sldId="264" cId="32890799">
-                    <pslz:zmPr id="{41D2E5C9-1772-49AC-BCF6-9289CBA3ACDB}" transitionDur="750">
-                      <p166:blipFill xmlns:p166="http://schemas.microsoft.com/office/powerpoint/2016/6/main">
-                        <a:blip r:embed="rId6"/>
-                        <a:stretch>
-                          <a:fillRect/>
-                        </a:stretch>
-                      </p166:blipFill>
-                      <p166:spPr xmlns:p166="http://schemas.microsoft.com/office/powerpoint/2016/6/main">
-                        <a:xfrm>
-                          <a:off x="0" y="0"/>
-                          <a:ext cx="2160000" cy="1440000"/>
-                        </a:xfrm>
-                        <a:prstGeom prst="rect">
-                          <a:avLst/>
-                        </a:prstGeom>
-                      </p166:spPr>
-                    </pslz:zmPr>
-                  </pslz:sldZmObj>
-                </pslz:sldZm>
-              </a:graphicData>
-            </a:graphic>
-          </p:graphicFrame>
-        </mc:Choice>
-        <mc:Fallback>
-          <p:pic>
-            <p:nvPicPr>
-              <p:cNvPr id="10" name="Vista general de diapositiva 9">
-                <a:hlinkClick r:id="rId9" action="ppaction://hlinksldjump"/>
-                <a:extLst>
-                  <a:ext uri="{FF2B5EF4-FFF2-40B4-BE49-F238E27FC236}">
-                    <a16:creationId xmlns:a16="http://schemas.microsoft.com/office/drawing/2014/main" id="{53D3D111-3BCE-892B-4BF7-B8CC430619F5}"/>
-                  </a:ext>
-                </a:extLst>
-              </p:cNvPr>
-              <p:cNvPicPr>
-                <a:picLocks noGrp="1" noRot="1" noChangeAspect="1" noMove="1" noResize="1" noEditPoints="1" noAdjustHandles="1" noChangeArrowheads="1" noChangeShapeType="1"/>
-              </p:cNvPicPr>
-              <p:nvPr/>
-            </p:nvPicPr>
-            <p:blipFill>
-              <a:blip r:embed="rId6"/>
-              <a:stretch>
-                <a:fillRect/>
-              </a:stretch>
-            </p:blipFill>
-            <p:spPr>
-              <a:xfrm>
-                <a:off x="8689891" y="2709000"/>
-                <a:ext cx="2160000" cy="1440000"/>
+                <a:off x="7259231" y="2709000"/>
+                <a:ext cx="3600000" cy="2400000"/>
               </a:xfrm>
               <a:prstGeom prst="rect">
                 <a:avLst/>
@@ -45987,7 +45900,7 @@
         <p:fade/>
       </p:transition>
     </mc:Choice>
-    <mc:Fallback xmlns="" xmlns:mv="urn:schemas-microsoft-com:mac:vml" xmlns:c="http://schemas.openxmlformats.org/drawingml/2006/chart" xmlns:dgm="http://schemas.openxmlformats.org/drawingml/2006/diagram" xmlns:o="urn:schemas-microsoft-com:office:office" xmlns:v="urn:schemas-microsoft-com:vml" xmlns:pvml="urn:schemas-microsoft-com:office:powerpoint" xmlns:com="http://schemas.openxmlformats.org/drawingml/2006/compatibility" xmlns:p15="http://schemas.microsoft.com/office/powerpoint/2012/main" xmlns:ahyp="http://schemas.microsoft.com/office/drawing/2018/hyperlinkcolor">
+    <mc:Fallback xmlns:ahyp="http://schemas.microsoft.com/office/drawing/2018/hyperlinkcolor" xmlns:p15="http://schemas.microsoft.com/office/powerpoint/2012/main" xmlns:com="http://schemas.openxmlformats.org/drawingml/2006/compatibility" xmlns:pvml="urn:schemas-microsoft-com:office:powerpoint" xmlns:v="urn:schemas-microsoft-com:vml" xmlns:o="urn:schemas-microsoft-com:office:office" xmlns:dgm="http://schemas.openxmlformats.org/drawingml/2006/diagram" xmlns:c="http://schemas.openxmlformats.org/drawingml/2006/chart" xmlns:mv="urn:schemas-microsoft-com:mac:vml" xmlns="">
       <p:transition spd="slow">
         <p:fade/>
       </p:transition>
@@ -46285,7 +46198,7 @@
         <p:fade/>
       </p:transition>
     </mc:Choice>
-    <mc:Fallback xmlns="" xmlns:mv="urn:schemas-microsoft-com:mac:vml" xmlns:c="http://schemas.openxmlformats.org/drawingml/2006/chart" xmlns:dgm="http://schemas.openxmlformats.org/drawingml/2006/diagram" xmlns:o="urn:schemas-microsoft-com:office:office" xmlns:v="urn:schemas-microsoft-com:vml" xmlns:pvml="urn:schemas-microsoft-com:office:powerpoint" xmlns:com="http://schemas.openxmlformats.org/drawingml/2006/compatibility" xmlns:p15="http://schemas.microsoft.com/office/powerpoint/2012/main" xmlns:ahyp="http://schemas.microsoft.com/office/drawing/2018/hyperlinkcolor">
+    <mc:Fallback xmlns:ahyp="http://schemas.microsoft.com/office/drawing/2018/hyperlinkcolor" xmlns:p15="http://schemas.microsoft.com/office/powerpoint/2012/main" xmlns:com="http://schemas.openxmlformats.org/drawingml/2006/compatibility" xmlns:pvml="urn:schemas-microsoft-com:office:powerpoint" xmlns:v="urn:schemas-microsoft-com:vml" xmlns:o="urn:schemas-microsoft-com:office:office" xmlns:dgm="http://schemas.openxmlformats.org/drawingml/2006/diagram" xmlns:c="http://schemas.openxmlformats.org/drawingml/2006/chart" xmlns:mv="urn:schemas-microsoft-com:mac:vml" xmlns="">
       <p:transition spd="slow">
         <p:fade/>
       </p:transition>
@@ -46351,7 +46264,32 @@
           <a:lstStyle/>
           <a:p>
             <a:pPr algn="ctr"/>
-            <a:endParaRPr lang="es-CO" dirty="0"/>
+            <a:r>
+              <a:rPr lang="es-MX" sz="2400" dirty="0"/>
+              <a:t>Po motivos laborales de la invitada no se pudo realizar la toma de datos.</a:t>
+            </a:r>
+          </a:p>
+          <a:p>
+            <a:pPr algn="ctr"/>
+            <a:r>
+              <a:rPr lang="es-MX" sz="2400" dirty="0"/>
+              <a:t>INV por: </a:t>
+            </a:r>
+          </a:p>
+          <a:p>
+            <a:pPr algn="ctr"/>
+            <a:r>
+              <a:rPr lang="es-MX" sz="2400" dirty="0"/>
+              <a:t>Mateo Rodriguez</a:t>
+            </a:r>
+          </a:p>
+          <a:p>
+            <a:pPr algn="ctr"/>
+            <a:endParaRPr lang="es-MX" sz="2400" dirty="0"/>
+          </a:p>
+          <a:p>
+            <a:pPr algn="ctr"/>
+            <a:endParaRPr lang="es-CO" sz="2400" dirty="0"/>
           </a:p>
         </p:txBody>
       </p:sp>
@@ -46497,6 +46435,35 @@
           </a:p>
         </p:txBody>
       </p:sp>
+      <p:pic>
+        <p:nvPicPr>
+          <p:cNvPr id="7" name="Imagen 6" descr="Un grupo de personas de pie sobre pasto&#10;&#10;Descripción generada automáticamente">
+            <a:extLst>
+              <a:ext uri="{FF2B5EF4-FFF2-40B4-BE49-F238E27FC236}">
+                <a16:creationId xmlns:a16="http://schemas.microsoft.com/office/drawing/2014/main" id="{AF29DE39-594A-5605-C0F0-05844AAA2B33}"/>
+              </a:ext>
+            </a:extLst>
+          </p:cNvPr>
+          <p:cNvPicPr>
+            <a:picLocks noChangeAspect="1"/>
+          </p:cNvPicPr>
+          <p:nvPr/>
+        </p:nvPicPr>
+        <p:blipFill>
+          <a:blip r:embed="rId3"/>
+          <a:srcRect l="32273" t="26410" r="34679" b="42308"/>
+          <a:stretch/>
+        </p:blipFill>
+        <p:spPr>
+          <a:xfrm>
+            <a:off x="1849124" y="710752"/>
+            <a:ext cx="3954881" cy="5545929"/>
+          </a:xfrm>
+          <a:prstGeom prst="rect">
+            <a:avLst/>
+          </a:prstGeom>
+        </p:spPr>
+      </p:pic>
     </p:spTree>
     <p:extLst>
       <p:ext uri="{BB962C8B-B14F-4D97-AF65-F5344CB8AC3E}">
@@ -46507,13 +46474,13 @@
   <p:clrMapOvr>
     <a:masterClrMapping/>
   </p:clrMapOvr>
-  <mc:AlternateContent xmlns:mc="http://schemas.openxmlformats.org/markup-compatibility/2006">
-    <mc:Choice xmlns:p14="http://schemas.microsoft.com/office/powerpoint/2010/main" Requires="p14">
+  <mc:AlternateContent xmlns:mc="http://schemas.openxmlformats.org/markup-compatibility/2006" xmlns:p14="http://schemas.microsoft.com/office/powerpoint/2010/main">
+    <mc:Choice Requires="p14">
       <p:transition spd="med" p14:dur="700">
         <p:fade/>
       </p:transition>
     </mc:Choice>
-    <mc:Fallback>
+    <mc:Fallback xmlns="">
       <p:transition spd="med">
         <p:fade/>
       </p:transition>
@@ -46523,462 +46490,6 @@
 </file>
 
 <file path=ppt/slides/slide5.xml><?xml version="1.0" encoding="utf-8"?>
-<p:sld xmlns:a="http://schemas.openxmlformats.org/drawingml/2006/main" xmlns:r="http://schemas.openxmlformats.org/officeDocument/2006/relationships" xmlns:p="http://schemas.openxmlformats.org/presentationml/2006/main">
-  <p:cSld>
-    <p:spTree>
-      <p:nvGrpSpPr>
-        <p:cNvPr id="1" name=""/>
-        <p:cNvGrpSpPr/>
-        <p:nvPr/>
-      </p:nvGrpSpPr>
-      <p:grpSpPr>
-        <a:xfrm>
-          <a:off x="0" y="0"/>
-          <a:ext cx="0" cy="0"/>
-          <a:chOff x="0" y="0"/>
-          <a:chExt cx="0" cy="0"/>
-        </a:xfrm>
-      </p:grpSpPr>
-      <p:sp>
-        <p:nvSpPr>
-          <p:cNvPr id="3" name="Rectángulo 2">
-            <a:extLst>
-              <a:ext uri="{FF2B5EF4-FFF2-40B4-BE49-F238E27FC236}">
-                <a16:creationId xmlns:a16="http://schemas.microsoft.com/office/drawing/2014/main" id="{6800AFA0-40B2-FB8B-F30A-84111648D2D1}"/>
-              </a:ext>
-            </a:extLst>
-          </p:cNvPr>
-          <p:cNvSpPr/>
-          <p:nvPr/>
-        </p:nvSpPr>
-        <p:spPr>
-          <a:xfrm>
-            <a:off x="7106478" y="1470991"/>
-            <a:ext cx="3975652" cy="3916017"/>
-          </a:xfrm>
-          <a:prstGeom prst="rect">
-            <a:avLst/>
-          </a:prstGeom>
-        </p:spPr>
-        <p:style>
-          <a:lnRef idx="2">
-            <a:schemeClr val="accent2"/>
-          </a:lnRef>
-          <a:fillRef idx="1">
-            <a:schemeClr val="lt1"/>
-          </a:fillRef>
-          <a:effectRef idx="0">
-            <a:schemeClr val="accent2"/>
-          </a:effectRef>
-          <a:fontRef idx="minor">
-            <a:schemeClr val="dk1"/>
-          </a:fontRef>
-        </p:style>
-        <p:txBody>
-          <a:bodyPr rtlCol="0" anchor="ctr"/>
-          <a:lstStyle/>
-          <a:p>
-            <a:pPr algn="ctr"/>
-            <a:endParaRPr lang="es-CO" dirty="0"/>
-          </a:p>
-        </p:txBody>
-      </p:sp>
-      <p:sp>
-        <p:nvSpPr>
-          <p:cNvPr id="4" name="Rectángulo 3">
-            <a:extLst>
-              <a:ext uri="{FF2B5EF4-FFF2-40B4-BE49-F238E27FC236}">
-                <a16:creationId xmlns:a16="http://schemas.microsoft.com/office/drawing/2014/main" id="{C7D4B8B3-29B7-11E1-0F8D-89FF64D7E85D}"/>
-              </a:ext>
-            </a:extLst>
-          </p:cNvPr>
-          <p:cNvSpPr/>
-          <p:nvPr/>
-        </p:nvSpPr>
-        <p:spPr>
-          <a:xfrm>
-            <a:off x="1232452" y="601316"/>
-            <a:ext cx="5188227" cy="5655365"/>
-          </a:xfrm>
-          <a:prstGeom prst="rect">
-            <a:avLst/>
-          </a:prstGeom>
-        </p:spPr>
-        <p:style>
-          <a:lnRef idx="2">
-            <a:schemeClr val="accent2"/>
-          </a:lnRef>
-          <a:fillRef idx="1">
-            <a:schemeClr val="lt1"/>
-          </a:fillRef>
-          <a:effectRef idx="0">
-            <a:schemeClr val="accent2"/>
-          </a:effectRef>
-          <a:fontRef idx="minor">
-            <a:schemeClr val="dk1"/>
-          </a:fontRef>
-        </p:style>
-        <p:txBody>
-          <a:bodyPr rtlCol="0" anchor="ctr"/>
-          <a:lstStyle/>
-          <a:p>
-            <a:pPr algn="ctr"/>
-            <a:endParaRPr lang="es-CO"/>
-          </a:p>
-        </p:txBody>
-      </p:sp>
-      <p:sp>
-        <p:nvSpPr>
-          <p:cNvPr id="5" name="Rectángulo: esquinas redondeadas 4">
-            <a:hlinkClick r:id="rId2" action="ppaction://hlinksldjump"/>
-            <a:extLst>
-              <a:ext uri="{FF2B5EF4-FFF2-40B4-BE49-F238E27FC236}">
-                <a16:creationId xmlns:a16="http://schemas.microsoft.com/office/drawing/2014/main" id="{5AA89BDB-90E9-FDE4-0C57-1D23FB888200}"/>
-              </a:ext>
-            </a:extLst>
-          </p:cNvPr>
-          <p:cNvSpPr/>
-          <p:nvPr/>
-        </p:nvSpPr>
-        <p:spPr>
-          <a:xfrm>
-            <a:off x="7931426" y="5814393"/>
-            <a:ext cx="2604052" cy="318051"/>
-          </a:xfrm>
-          <a:prstGeom prst="roundRect">
-            <a:avLst/>
-          </a:prstGeom>
-        </p:spPr>
-        <p:style>
-          <a:lnRef idx="3">
-            <a:schemeClr val="lt1"/>
-          </a:lnRef>
-          <a:fillRef idx="1">
-            <a:schemeClr val="accent2"/>
-          </a:fillRef>
-          <a:effectRef idx="1">
-            <a:schemeClr val="accent2"/>
-          </a:effectRef>
-          <a:fontRef idx="minor">
-            <a:schemeClr val="lt1"/>
-          </a:fontRef>
-        </p:style>
-        <p:txBody>
-          <a:bodyPr rtlCol="0" anchor="ctr"/>
-          <a:lstStyle/>
-          <a:p>
-            <a:pPr algn="ctr"/>
-            <a:r>
-              <a:rPr lang="es-MX" dirty="0"/>
-              <a:t>INICIO</a:t>
-            </a:r>
-            <a:endParaRPr lang="es-CO" dirty="0"/>
-          </a:p>
-        </p:txBody>
-      </p:sp>
-      <p:sp>
-        <p:nvSpPr>
-          <p:cNvPr id="6" name="Rectángulo: esquinas redondeadas 5">
-            <a:hlinkClick r:id="" action="ppaction://hlinkshowjump?jump=lastslide"/>
-            <a:extLst>
-              <a:ext uri="{FF2B5EF4-FFF2-40B4-BE49-F238E27FC236}">
-                <a16:creationId xmlns:a16="http://schemas.microsoft.com/office/drawing/2014/main" id="{13A5A8A6-EC32-241F-85B8-960751C63F00}"/>
-              </a:ext>
-            </a:extLst>
-          </p:cNvPr>
-          <p:cNvSpPr/>
-          <p:nvPr/>
-        </p:nvSpPr>
-        <p:spPr>
-          <a:xfrm>
-            <a:off x="7931426" y="6281528"/>
-            <a:ext cx="2604052" cy="318051"/>
-          </a:xfrm>
-          <a:prstGeom prst="roundRect">
-            <a:avLst/>
-          </a:prstGeom>
-        </p:spPr>
-        <p:style>
-          <a:lnRef idx="3">
-            <a:schemeClr val="lt1"/>
-          </a:lnRef>
-          <a:fillRef idx="1">
-            <a:schemeClr val="accent2"/>
-          </a:fillRef>
-          <a:effectRef idx="1">
-            <a:schemeClr val="accent2"/>
-          </a:effectRef>
-          <a:fontRef idx="minor">
-            <a:schemeClr val="lt1"/>
-          </a:fontRef>
-        </p:style>
-        <p:txBody>
-          <a:bodyPr rtlCol="0" anchor="ctr"/>
-          <a:lstStyle/>
-          <a:p>
-            <a:pPr algn="ctr"/>
-            <a:r>
-              <a:rPr lang="es-MX" dirty="0"/>
-              <a:t>FINALIZAR</a:t>
-            </a:r>
-            <a:endParaRPr lang="es-CO" dirty="0"/>
-          </a:p>
-        </p:txBody>
-      </p:sp>
-    </p:spTree>
-    <p:extLst>
-      <p:ext uri="{BB962C8B-B14F-4D97-AF65-F5344CB8AC3E}">
-        <p14:creationId xmlns:p14="http://schemas.microsoft.com/office/powerpoint/2010/main" val="1309281878"/>
-      </p:ext>
-    </p:extLst>
-  </p:cSld>
-  <p:clrMapOvr>
-    <a:masterClrMapping/>
-  </p:clrMapOvr>
-  <mc:AlternateContent xmlns:mc="http://schemas.openxmlformats.org/markup-compatibility/2006">
-    <mc:Choice xmlns:p14="http://schemas.microsoft.com/office/powerpoint/2010/main" Requires="p14">
-      <p:transition spd="med" p14:dur="700">
-        <p:fade/>
-      </p:transition>
-    </mc:Choice>
-    <mc:Fallback>
-      <p:transition spd="med">
-        <p:fade/>
-      </p:transition>
-    </mc:Fallback>
-  </mc:AlternateContent>
-</p:sld>
-</file>
-
-<file path=ppt/slides/slide6.xml><?xml version="1.0" encoding="utf-8"?>
-<p:sld xmlns:a="http://schemas.openxmlformats.org/drawingml/2006/main" xmlns:r="http://schemas.openxmlformats.org/officeDocument/2006/relationships" xmlns:p="http://schemas.openxmlformats.org/presentationml/2006/main">
-  <p:cSld>
-    <p:spTree>
-      <p:nvGrpSpPr>
-        <p:cNvPr id="1" name=""/>
-        <p:cNvGrpSpPr/>
-        <p:nvPr/>
-      </p:nvGrpSpPr>
-      <p:grpSpPr>
-        <a:xfrm>
-          <a:off x="0" y="0"/>
-          <a:ext cx="0" cy="0"/>
-          <a:chOff x="0" y="0"/>
-          <a:chExt cx="0" cy="0"/>
-        </a:xfrm>
-      </p:grpSpPr>
-      <p:sp>
-        <p:nvSpPr>
-          <p:cNvPr id="3" name="Rectángulo 2">
-            <a:extLst>
-              <a:ext uri="{FF2B5EF4-FFF2-40B4-BE49-F238E27FC236}">
-                <a16:creationId xmlns:a16="http://schemas.microsoft.com/office/drawing/2014/main" id="{6800AFA0-40B2-FB8B-F30A-84111648D2D1}"/>
-              </a:ext>
-            </a:extLst>
-          </p:cNvPr>
-          <p:cNvSpPr/>
-          <p:nvPr/>
-        </p:nvSpPr>
-        <p:spPr>
-          <a:xfrm>
-            <a:off x="7106478" y="1470991"/>
-            <a:ext cx="3975652" cy="3916017"/>
-          </a:xfrm>
-          <a:prstGeom prst="rect">
-            <a:avLst/>
-          </a:prstGeom>
-        </p:spPr>
-        <p:style>
-          <a:lnRef idx="2">
-            <a:schemeClr val="accent2"/>
-          </a:lnRef>
-          <a:fillRef idx="1">
-            <a:schemeClr val="lt1"/>
-          </a:fillRef>
-          <a:effectRef idx="0">
-            <a:schemeClr val="accent2"/>
-          </a:effectRef>
-          <a:fontRef idx="minor">
-            <a:schemeClr val="dk1"/>
-          </a:fontRef>
-        </p:style>
-        <p:txBody>
-          <a:bodyPr rtlCol="0" anchor="ctr"/>
-          <a:lstStyle/>
-          <a:p>
-            <a:pPr algn="ctr"/>
-            <a:endParaRPr lang="es-CO" dirty="0"/>
-          </a:p>
-        </p:txBody>
-      </p:sp>
-      <p:sp>
-        <p:nvSpPr>
-          <p:cNvPr id="4" name="Rectángulo 3">
-            <a:extLst>
-              <a:ext uri="{FF2B5EF4-FFF2-40B4-BE49-F238E27FC236}">
-                <a16:creationId xmlns:a16="http://schemas.microsoft.com/office/drawing/2014/main" id="{C7D4B8B3-29B7-11E1-0F8D-89FF64D7E85D}"/>
-              </a:ext>
-            </a:extLst>
-          </p:cNvPr>
-          <p:cNvSpPr/>
-          <p:nvPr/>
-        </p:nvSpPr>
-        <p:spPr>
-          <a:xfrm>
-            <a:off x="1232452" y="601316"/>
-            <a:ext cx="5188227" cy="5655365"/>
-          </a:xfrm>
-          <a:prstGeom prst="rect">
-            <a:avLst/>
-          </a:prstGeom>
-        </p:spPr>
-        <p:style>
-          <a:lnRef idx="2">
-            <a:schemeClr val="accent2"/>
-          </a:lnRef>
-          <a:fillRef idx="1">
-            <a:schemeClr val="lt1"/>
-          </a:fillRef>
-          <a:effectRef idx="0">
-            <a:schemeClr val="accent2"/>
-          </a:effectRef>
-          <a:fontRef idx="minor">
-            <a:schemeClr val="dk1"/>
-          </a:fontRef>
-        </p:style>
-        <p:txBody>
-          <a:bodyPr rtlCol="0" anchor="ctr"/>
-          <a:lstStyle/>
-          <a:p>
-            <a:pPr algn="ctr"/>
-            <a:endParaRPr lang="es-CO"/>
-          </a:p>
-        </p:txBody>
-      </p:sp>
-      <p:sp>
-        <p:nvSpPr>
-          <p:cNvPr id="5" name="Rectángulo: esquinas redondeadas 4">
-            <a:hlinkClick r:id="rId2" action="ppaction://hlinksldjump"/>
-            <a:extLst>
-              <a:ext uri="{FF2B5EF4-FFF2-40B4-BE49-F238E27FC236}">
-                <a16:creationId xmlns:a16="http://schemas.microsoft.com/office/drawing/2014/main" id="{5AA89BDB-90E9-FDE4-0C57-1D23FB888200}"/>
-              </a:ext>
-            </a:extLst>
-          </p:cNvPr>
-          <p:cNvSpPr/>
-          <p:nvPr/>
-        </p:nvSpPr>
-        <p:spPr>
-          <a:xfrm>
-            <a:off x="7931426" y="5814393"/>
-            <a:ext cx="2604052" cy="318051"/>
-          </a:xfrm>
-          <a:prstGeom prst="roundRect">
-            <a:avLst/>
-          </a:prstGeom>
-        </p:spPr>
-        <p:style>
-          <a:lnRef idx="3">
-            <a:schemeClr val="lt1"/>
-          </a:lnRef>
-          <a:fillRef idx="1">
-            <a:schemeClr val="accent2"/>
-          </a:fillRef>
-          <a:effectRef idx="1">
-            <a:schemeClr val="accent2"/>
-          </a:effectRef>
-          <a:fontRef idx="minor">
-            <a:schemeClr val="lt1"/>
-          </a:fontRef>
-        </p:style>
-        <p:txBody>
-          <a:bodyPr rtlCol="0" anchor="ctr"/>
-          <a:lstStyle/>
-          <a:p>
-            <a:pPr algn="ctr"/>
-            <a:r>
-              <a:rPr lang="es-MX" dirty="0"/>
-              <a:t>INICIO</a:t>
-            </a:r>
-            <a:endParaRPr lang="es-CO" dirty="0"/>
-          </a:p>
-        </p:txBody>
-      </p:sp>
-      <p:sp>
-        <p:nvSpPr>
-          <p:cNvPr id="6" name="Rectángulo: esquinas redondeadas 5">
-            <a:hlinkClick r:id="" action="ppaction://hlinkshowjump?jump=lastslide"/>
-            <a:extLst>
-              <a:ext uri="{FF2B5EF4-FFF2-40B4-BE49-F238E27FC236}">
-                <a16:creationId xmlns:a16="http://schemas.microsoft.com/office/drawing/2014/main" id="{13A5A8A6-EC32-241F-85B8-960751C63F00}"/>
-              </a:ext>
-            </a:extLst>
-          </p:cNvPr>
-          <p:cNvSpPr/>
-          <p:nvPr/>
-        </p:nvSpPr>
-        <p:spPr>
-          <a:xfrm>
-            <a:off x="7931426" y="6281528"/>
-            <a:ext cx="2604052" cy="318051"/>
-          </a:xfrm>
-          <a:prstGeom prst="roundRect">
-            <a:avLst/>
-          </a:prstGeom>
-        </p:spPr>
-        <p:style>
-          <a:lnRef idx="3">
-            <a:schemeClr val="lt1"/>
-          </a:lnRef>
-          <a:fillRef idx="1">
-            <a:schemeClr val="accent2"/>
-          </a:fillRef>
-          <a:effectRef idx="1">
-            <a:schemeClr val="accent2"/>
-          </a:effectRef>
-          <a:fontRef idx="minor">
-            <a:schemeClr val="lt1"/>
-          </a:fontRef>
-        </p:style>
-        <p:txBody>
-          <a:bodyPr rtlCol="0" anchor="ctr"/>
-          <a:lstStyle/>
-          <a:p>
-            <a:pPr algn="ctr"/>
-            <a:r>
-              <a:rPr lang="es-MX" dirty="0"/>
-              <a:t>FINALIZAR</a:t>
-            </a:r>
-            <a:endParaRPr lang="es-CO" dirty="0"/>
-          </a:p>
-        </p:txBody>
-      </p:sp>
-    </p:spTree>
-    <p:extLst>
-      <p:ext uri="{BB962C8B-B14F-4D97-AF65-F5344CB8AC3E}">
-        <p14:creationId xmlns:p14="http://schemas.microsoft.com/office/powerpoint/2010/main" val="32890799"/>
-      </p:ext>
-    </p:extLst>
-  </p:cSld>
-  <p:clrMapOvr>
-    <a:masterClrMapping/>
-  </p:clrMapOvr>
-  <mc:AlternateContent xmlns:mc="http://schemas.openxmlformats.org/markup-compatibility/2006">
-    <mc:Choice xmlns:p14="http://schemas.microsoft.com/office/powerpoint/2010/main" Requires="p14">
-      <p:transition spd="med" p14:dur="700">
-        <p:fade/>
-      </p:transition>
-    </mc:Choice>
-    <mc:Fallback>
-      <p:transition spd="med">
-        <p:fade/>
-      </p:transition>
-    </mc:Fallback>
-  </mc:AlternateContent>
-</p:sld>
-</file>
-
-<file path=ppt/slides/slide7.xml><?xml version="1.0" encoding="utf-8"?>
 <p:sld xmlns:a="http://schemas.openxmlformats.org/drawingml/2006/main" xmlns:r="http://schemas.openxmlformats.org/officeDocument/2006/relationships" xmlns:p="http://schemas.openxmlformats.org/presentationml/2006/main">
   <p:cSld>
     <p:spTree>
@@ -47011,7 +46522,7 @@
         <p:fade/>
       </p:transition>
     </mc:Choice>
-    <mc:Fallback xmlns="" xmlns:mv="urn:schemas-microsoft-com:mac:vml" xmlns:c="http://schemas.openxmlformats.org/drawingml/2006/chart" xmlns:dgm="http://schemas.openxmlformats.org/drawingml/2006/diagram" xmlns:o="urn:schemas-microsoft-com:office:office" xmlns:v="urn:schemas-microsoft-com:vml" xmlns:pvml="urn:schemas-microsoft-com:office:powerpoint" xmlns:com="http://schemas.openxmlformats.org/drawingml/2006/compatibility" xmlns:p15="http://schemas.microsoft.com/office/powerpoint/2012/main" xmlns:ahyp="http://schemas.microsoft.com/office/drawing/2018/hyperlinkcolor">
+    <mc:Fallback xmlns:ahyp="http://schemas.microsoft.com/office/drawing/2018/hyperlinkcolor" xmlns:p15="http://schemas.microsoft.com/office/powerpoint/2012/main" xmlns:com="http://schemas.openxmlformats.org/drawingml/2006/compatibility" xmlns:pvml="urn:schemas-microsoft-com:office:powerpoint" xmlns:v="urn:schemas-microsoft-com:vml" xmlns:o="urn:schemas-microsoft-com:office:office" xmlns:dgm="http://schemas.openxmlformats.org/drawingml/2006/diagram" xmlns:c="http://schemas.openxmlformats.org/drawingml/2006/chart" xmlns:mv="urn:schemas-microsoft-com:mac:vml" xmlns="">
       <p:transition spd="slow">
         <p:fade/>
       </p:transition>
